--- a/Unit-6/Dane_Holmes_Live_Session_6.pptx
+++ b/Unit-6/Dane_Holmes_Live_Session_6.pptx
@@ -3124,10 +3124,25 @@
   <pc:docChgLst>
     <pc:chgData name="Dane Holmes" userId="9738715a2d075a3d" providerId="LiveId" clId="{5693A1F9-4466-4D99-868D-13A163895F60}"/>
     <pc:docChg chg="undo redo custSel addSld delSld modSld">
-      <pc:chgData name="Dane Holmes" userId="9738715a2d075a3d" providerId="LiveId" clId="{5693A1F9-4466-4D99-868D-13A163895F60}" dt="2021-12-06T16:34:58.164" v="979" actId="20577"/>
+      <pc:chgData name="Dane Holmes" userId="9738715a2d075a3d" providerId="LiveId" clId="{5693A1F9-4466-4D99-868D-13A163895F60}" dt="2021-12-14T00:14:37.047" v="981" actId="20577"/>
       <pc:docMkLst>
         <pc:docMk/>
       </pc:docMkLst>
+      <pc:sldChg chg="modSp mod">
+        <pc:chgData name="Dane Holmes" userId="9738715a2d075a3d" providerId="LiveId" clId="{5693A1F9-4466-4D99-868D-13A163895F60}" dt="2021-12-14T00:14:37.047" v="981" actId="20577"/>
+        <pc:sldMkLst>
+          <pc:docMk/>
+          <pc:sldMk cId="506613463" sldId="256"/>
+        </pc:sldMkLst>
+        <pc:spChg chg="mod">
+          <ac:chgData name="Dane Holmes" userId="9738715a2d075a3d" providerId="LiveId" clId="{5693A1F9-4466-4D99-868D-13A163895F60}" dt="2021-12-14T00:14:37.047" v="981" actId="20577"/>
+          <ac:spMkLst>
+            <pc:docMk/>
+            <pc:sldMk cId="506613463" sldId="256"/>
+            <ac:spMk id="3" creationId="{366FBC32-EDCF-4FF0-80E2-838E32A69351}"/>
+          </ac:spMkLst>
+        </pc:spChg>
+      </pc:sldChg>
       <pc:sldChg chg="del">
         <pc:chgData name="Dane Holmes" userId="9738715a2d075a3d" providerId="LiveId" clId="{5693A1F9-4466-4D99-868D-13A163895F60}" dt="2021-12-06T03:49:05.742" v="2" actId="47"/>
         <pc:sldMkLst>
@@ -3596,7 +3611,7 @@
           <a:p>
             <a:fld id="{6A4B53A7-3209-46A6-9454-F38EAC8F11E7}" type="datetimeFigureOut">
               <a:rPr lang="en-US" smtClean="0"/>
-              <a:t>12/5/2021</a:t>
+              <a:t>12/13/2021</a:t>
             </a:fld>
             <a:endParaRPr lang="en-US"/>
           </a:p>
@@ -3847,7 +3862,7 @@
           <a:p>
             <a:fld id="{6A4B53A7-3209-46A6-9454-F38EAC8F11E7}" type="datetimeFigureOut">
               <a:rPr lang="en-US" smtClean="0"/>
-              <a:t>12/5/2021</a:t>
+              <a:t>12/13/2021</a:t>
             </a:fld>
             <a:endParaRPr lang="en-US"/>
           </a:p>
@@ -4108,7 +4123,7 @@
           <a:p>
             <a:fld id="{6A4B53A7-3209-46A6-9454-F38EAC8F11E7}" type="datetimeFigureOut">
               <a:rPr lang="en-US" smtClean="0"/>
-              <a:t>12/5/2021</a:t>
+              <a:t>12/13/2021</a:t>
             </a:fld>
             <a:endParaRPr lang="en-US"/>
           </a:p>
@@ -4359,7 +4374,7 @@
           <a:p>
             <a:fld id="{6A4B53A7-3209-46A6-9454-F38EAC8F11E7}" type="datetimeFigureOut">
               <a:rPr lang="en-US" smtClean="0"/>
-              <a:t>12/5/2021</a:t>
+              <a:t>12/13/2021</a:t>
             </a:fld>
             <a:endParaRPr lang="en-US"/>
           </a:p>
@@ -4687,7 +4702,7 @@
           <a:p>
             <a:fld id="{6A4B53A7-3209-46A6-9454-F38EAC8F11E7}" type="datetimeFigureOut">
               <a:rPr lang="en-US" smtClean="0"/>
-              <a:t>12/5/2021</a:t>
+              <a:t>12/13/2021</a:t>
             </a:fld>
             <a:endParaRPr lang="en-US"/>
           </a:p>
@@ -5005,7 +5020,7 @@
           <a:p>
             <a:fld id="{6A4B53A7-3209-46A6-9454-F38EAC8F11E7}" type="datetimeFigureOut">
               <a:rPr lang="en-US" smtClean="0"/>
-              <a:t>12/5/2021</a:t>
+              <a:t>12/13/2021</a:t>
             </a:fld>
             <a:endParaRPr lang="en-US"/>
           </a:p>
@@ -5470,7 +5485,7 @@
           <a:p>
             <a:fld id="{6A4B53A7-3209-46A6-9454-F38EAC8F11E7}" type="datetimeFigureOut">
               <a:rPr lang="en-US" smtClean="0"/>
-              <a:t>12/5/2021</a:t>
+              <a:t>12/13/2021</a:t>
             </a:fld>
             <a:endParaRPr lang="en-US"/>
           </a:p>
@@ -5664,7 +5679,7 @@
           <a:p>
             <a:fld id="{6A4B53A7-3209-46A6-9454-F38EAC8F11E7}" type="datetimeFigureOut">
               <a:rPr lang="en-US" smtClean="0"/>
-              <a:t>12/5/2021</a:t>
+              <a:t>12/13/2021</a:t>
             </a:fld>
             <a:endParaRPr lang="en-US"/>
           </a:p>
@@ -5830,7 +5845,7 @@
           <a:p>
             <a:fld id="{6A4B53A7-3209-46A6-9454-F38EAC8F11E7}" type="datetimeFigureOut">
               <a:rPr lang="en-US" smtClean="0"/>
-              <a:t>12/5/2021</a:t>
+              <a:t>12/13/2021</a:t>
             </a:fld>
             <a:endParaRPr lang="en-US"/>
           </a:p>
@@ -6194,7 +6209,7 @@
           <a:p>
             <a:fld id="{6A4B53A7-3209-46A6-9454-F38EAC8F11E7}" type="datetimeFigureOut">
               <a:rPr lang="en-US" smtClean="0"/>
-              <a:t>12/5/2021</a:t>
+              <a:t>12/13/2021</a:t>
             </a:fld>
             <a:endParaRPr lang="en-US"/>
           </a:p>
@@ -6538,7 +6553,7 @@
           <a:p>
             <a:fld id="{6A4B53A7-3209-46A6-9454-F38EAC8F11E7}" type="datetimeFigureOut">
               <a:rPr lang="en-US" smtClean="0"/>
-              <a:t>12/5/2021</a:t>
+              <a:t>12/13/2021</a:t>
             </a:fld>
             <a:endParaRPr lang="en-US"/>
           </a:p>
@@ -6833,7 +6848,7 @@
             <a:fld id="{6A4B53A7-3209-46A6-9454-F38EAC8F11E7}" type="datetimeFigureOut">
               <a:rPr lang="en-US" smtClean="0"/>
               <a:pPr/>
-              <a:t>12/5/2021</a:t>
+              <a:t>12/13/2021</a:t>
             </a:fld>
             <a:endParaRPr lang="en-US" dirty="0"/>
           </a:p>
@@ -7554,7 +7569,7 @@
                   <a:srgbClr val="FFFFFF"/>
                 </a:solidFill>
               </a:rPr>
-              <a:t>Live Session: Unit 5</a:t>
+              <a:t>Live Session: Unit 6</a:t>
             </a:r>
           </a:p>
           <a:p>
